--- a/spring13/slidesS13/geometric-sums.pptx
+++ b/spring13/slidesS13/geometric-sums.pptx
@@ -3599,7 +3599,10 @@
     <p:bg>
       <p:bgPr>
         <a:solidFill>
-          <a:schemeClr val="accent1"/>
+          <a:schemeClr val="accent2">
+            <a:lumMod val="40000"/>
+            <a:lumOff val="60000"/>
+          </a:schemeClr>
         </a:solidFill>
         <a:effectLst/>
       </p:bgPr>
@@ -4834,7 +4837,7 @@
           <a:graphicData uri="http://schemas.openxmlformats.org/presentationml/2006/ole">
             <mc:AlternateContent xmlns:mc="http://schemas.openxmlformats.org/markup-compatibility/2006">
               <mc:Choice xmlns:v="urn:schemas-microsoft-com:vml" Requires="v">
-                <p:oleObj spid="_x0000_s119854" name="Equation" r:id="rId4" imgW="761760" imgH="495000" progId="Equation.DSMT4">
+                <p:oleObj spid="_x0000_s119856" name="Equation" r:id="rId4" imgW="761760" imgH="495000" progId="Equation.DSMT4">
                   <p:embed/>
                 </p:oleObj>
               </mc:Choice>
@@ -8617,7 +8620,7 @@
           <a:graphicData uri="http://schemas.openxmlformats.org/presentationml/2006/ole">
             <mc:AlternateContent xmlns:mc="http://schemas.openxmlformats.org/markup-compatibility/2006">
               <mc:Choice xmlns:v="urn:schemas-microsoft-com:vml" Requires="v">
-                <p:oleObj spid="_x0000_s122962" name="Equation" r:id="rId4" imgW="1803240" imgH="482400" progId="Equation.DSMT4">
+                <p:oleObj spid="_x0000_s122965" name="Equation" r:id="rId4" imgW="1803240" imgH="482400" progId="Equation.DSMT4">
                   <p:embed/>
                 </p:oleObj>
               </mc:Choice>
@@ -8712,7 +8715,7 @@
           <a:graphicData uri="http://schemas.openxmlformats.org/presentationml/2006/ole">
             <mc:AlternateContent xmlns:mc="http://schemas.openxmlformats.org/markup-compatibility/2006">
               <mc:Choice xmlns:v="urn:schemas-microsoft-com:vml" Requires="v">
-                <p:oleObj spid="_x0000_s122963" name="Equation" r:id="rId6" imgW="2145960" imgH="482400" progId="Equation.DSMT4">
+                <p:oleObj spid="_x0000_s122966" name="Equation" r:id="rId6" imgW="2145960" imgH="482400" progId="Equation.DSMT4">
                   <p:embed/>
                 </p:oleObj>
               </mc:Choice>
@@ -9002,7 +9005,7 @@
           <a:graphicData uri="http://schemas.openxmlformats.org/presentationml/2006/ole">
             <mc:AlternateContent xmlns:mc="http://schemas.openxmlformats.org/markup-compatibility/2006">
               <mc:Choice xmlns:v="urn:schemas-microsoft-com:vml" Requires="v">
-                <p:oleObj spid="_x0000_s128061" name="Equation" r:id="rId4" imgW="1765080" imgH="444240" progId="Equation.DSMT4">
+                <p:oleObj spid="_x0000_s128063" name="Equation" r:id="rId4" imgW="1765080" imgH="444240" progId="Equation.DSMT4">
                   <p:embed/>
                 </p:oleObj>
               </mc:Choice>
@@ -9174,7 +9177,7 @@
           <a:graphicData uri="http://schemas.openxmlformats.org/presentationml/2006/ole">
             <mc:AlternateContent xmlns:mc="http://schemas.openxmlformats.org/markup-compatibility/2006">
               <mc:Choice xmlns:v="urn:schemas-microsoft-com:vml" Requires="v">
-                <p:oleObj spid="_x0000_s27730" name="Equation" r:id="rId4" imgW="1549400" imgH="292100" progId="Equation.DSMT4">
+                <p:oleObj spid="_x0000_s27733" name="Equation" r:id="rId4" imgW="1549400" imgH="292100" progId="Equation.DSMT4">
                   <p:embed/>
                 </p:oleObj>
               </mc:Choice>
@@ -9240,7 +9243,7 @@
           <a:graphicData uri="http://schemas.openxmlformats.org/presentationml/2006/ole">
             <mc:AlternateContent xmlns:mc="http://schemas.openxmlformats.org/markup-compatibility/2006">
               <mc:Choice xmlns:v="urn:schemas-microsoft-com:vml" Requires="v">
-                <p:oleObj spid="_x0000_s27731" name="Equation" r:id="rId6" imgW="1879600" imgH="292100" progId="Equation.DSMT4">
+                <p:oleObj spid="_x0000_s27734" name="Equation" r:id="rId6" imgW="1879600" imgH="292100" progId="Equation.DSMT4">
                   <p:embed/>
                 </p:oleObj>
               </mc:Choice>
@@ -9444,7 +9447,7 @@
           <a:graphicData uri="http://schemas.openxmlformats.org/presentationml/2006/ole">
             <mc:AlternateContent xmlns:mc="http://schemas.openxmlformats.org/markup-compatibility/2006">
               <mc:Choice xmlns:v="urn:schemas-microsoft-com:vml" Requires="v">
-                <p:oleObj spid="_x0000_s1075" name="Equation" r:id="rId4" imgW="1549400" imgH="292100" progId="Equation.DSMT4">
+                <p:oleObj spid="_x0000_s1078" name="Equation" r:id="rId4" imgW="1549400" imgH="292100" progId="Equation.DSMT4">
                   <p:embed/>
                 </p:oleObj>
               </mc:Choice>
@@ -9510,7 +9513,7 @@
           <a:graphicData uri="http://schemas.openxmlformats.org/presentationml/2006/ole">
             <mc:AlternateContent xmlns:mc="http://schemas.openxmlformats.org/markup-compatibility/2006">
               <mc:Choice xmlns:v="urn:schemas-microsoft-com:vml" Requires="v">
-                <p:oleObj spid="_x0000_s1076" name="Equation" r:id="rId6" imgW="1955800" imgH="292100" progId="Equation.DSMT4">
+                <p:oleObj spid="_x0000_s1079" name="Equation" r:id="rId6" imgW="1955800" imgH="292100" progId="Equation.DSMT4">
                   <p:embed/>
                 </p:oleObj>
               </mc:Choice>
@@ -9643,7 +9646,7 @@
           <a:graphicData uri="http://schemas.openxmlformats.org/presentationml/2006/ole">
             <mc:AlternateContent xmlns:mc="http://schemas.openxmlformats.org/markup-compatibility/2006">
               <mc:Choice xmlns:v="urn:schemas-microsoft-com:vml" Requires="v">
-                <p:oleObj spid="_x0000_s135223" name="Equation" r:id="rId4" imgW="1549400" imgH="292100" progId="Equation.DSMT4">
+                <p:oleObj spid="_x0000_s135226" name="Equation" r:id="rId4" imgW="1549400" imgH="292100" progId="Equation.DSMT4">
                   <p:embed/>
                 </p:oleObj>
               </mc:Choice>
@@ -9709,7 +9712,7 @@
           <a:graphicData uri="http://schemas.openxmlformats.org/presentationml/2006/ole">
             <mc:AlternateContent xmlns:mc="http://schemas.openxmlformats.org/markup-compatibility/2006">
               <mc:Choice xmlns:v="urn:schemas-microsoft-com:vml" Requires="v">
-                <p:oleObj spid="_x0000_s135224" name="Equation" r:id="rId6" imgW="2032000" imgH="292100" progId="Equation.DSMT4">
+                <p:oleObj spid="_x0000_s135227" name="Equation" r:id="rId6" imgW="2032000" imgH="292100" progId="Equation.DSMT4">
                   <p:embed/>
                 </p:oleObj>
               </mc:Choice>
@@ -10101,7 +10104,7 @@
           <a:graphicData uri="http://schemas.openxmlformats.org/presentationml/2006/ole">
             <mc:AlternateContent xmlns:mc="http://schemas.openxmlformats.org/markup-compatibility/2006">
               <mc:Choice xmlns:v="urn:schemas-microsoft-com:vml" Requires="v">
-                <p:oleObj spid="_x0000_s136242" name="Equation" r:id="rId4" imgW="1549400" imgH="292100" progId="Equation.DSMT4">
+                <p:oleObj spid="_x0000_s136245" name="Equation" r:id="rId4" imgW="1549400" imgH="292100" progId="Equation.DSMT4">
                   <p:embed/>
                 </p:oleObj>
               </mc:Choice>
@@ -10167,7 +10170,7 @@
           <a:graphicData uri="http://schemas.openxmlformats.org/presentationml/2006/ole">
             <mc:AlternateContent xmlns:mc="http://schemas.openxmlformats.org/markup-compatibility/2006">
               <mc:Choice xmlns:v="urn:schemas-microsoft-com:vml" Requires="v">
-                <p:oleObj spid="_x0000_s136243" name="Equation" r:id="rId6" imgW="2032000" imgH="292100" progId="Equation.DSMT4">
+                <p:oleObj spid="_x0000_s136246" name="Equation" r:id="rId6" imgW="2032000" imgH="292100" progId="Equation.DSMT4">
                   <p:embed/>
                 </p:oleObj>
               </mc:Choice>
@@ -10780,7 +10783,7 @@
           <a:graphicData uri="http://schemas.openxmlformats.org/presentationml/2006/ole">
             <mc:AlternateContent xmlns:mc="http://schemas.openxmlformats.org/markup-compatibility/2006">
               <mc:Choice xmlns:v="urn:schemas-microsoft-com:vml" Requires="v">
-                <p:oleObj spid="_x0000_s144406" name="Equation" r:id="rId4" imgW="762000" imgH="292100" progId="Equation.DSMT4">
+                <p:oleObj spid="_x0000_s144408" name="Equation" r:id="rId4" imgW="762000" imgH="292100" progId="Equation.DSMT4">
                   <p:embed/>
                 </p:oleObj>
               </mc:Choice>
@@ -11171,7 +11174,7 @@
           <a:graphicData uri="http://schemas.openxmlformats.org/presentationml/2006/ole">
             <mc:AlternateContent xmlns:mc="http://schemas.openxmlformats.org/markup-compatibility/2006">
               <mc:Choice xmlns:v="urn:schemas-microsoft-com:vml" Requires="v">
-                <p:oleObj spid="_x0000_s143412" name="Equation" r:id="rId4" imgW="762000" imgH="292100" progId="Equation.DSMT4">
+                <p:oleObj spid="_x0000_s143416" name="Equation" r:id="rId4" imgW="762000" imgH="292100" progId="Equation.DSMT4">
                   <p:embed/>
                 </p:oleObj>
               </mc:Choice>
@@ -11349,7 +11352,7 @@
           <a:graphicData uri="http://schemas.openxmlformats.org/presentationml/2006/ole">
             <mc:AlternateContent xmlns:mc="http://schemas.openxmlformats.org/markup-compatibility/2006">
               <mc:Choice xmlns:v="urn:schemas-microsoft-com:vml" Requires="v">
-                <p:oleObj spid="_x0000_s143413" name="Equation" r:id="rId6" imgW="127000" imgH="190500" progId="Equation.DSMT4">
+                <p:oleObj spid="_x0000_s143417" name="Equation" r:id="rId6" imgW="127000" imgH="190500" progId="Equation.DSMT4">
                   <p:embed/>
                 </p:oleObj>
               </mc:Choice>
@@ -11471,7 +11474,7 @@
           <a:graphicData uri="http://schemas.openxmlformats.org/presentationml/2006/ole">
             <mc:AlternateContent xmlns:mc="http://schemas.openxmlformats.org/markup-compatibility/2006">
               <mc:Choice xmlns:v="urn:schemas-microsoft-com:vml" Requires="v">
-                <p:oleObj spid="_x0000_s143414" name="Equation" r:id="rId8" imgW="901700" imgH="469900" progId="Equation.DSMT4">
+                <p:oleObj spid="_x0000_s143418" name="Equation" r:id="rId8" imgW="901700" imgH="469900" progId="Equation.DSMT4">
                   <p:embed/>
                 </p:oleObj>
               </mc:Choice>
@@ -11809,7 +11812,7 @@
           <a:graphicData uri="http://schemas.openxmlformats.org/presentationml/2006/ole">
             <mc:AlternateContent xmlns:mc="http://schemas.openxmlformats.org/markup-compatibility/2006">
               <mc:Choice xmlns:v="urn:schemas-microsoft-com:vml" Requires="v">
-                <p:oleObj spid="_x0000_s114773" name="Equation" r:id="rId4" imgW="2184400" imgH="520700" progId="Equation.DSMT4">
+                <p:oleObj spid="_x0000_s114776" name="Equation" r:id="rId4" imgW="2184400" imgH="520700" progId="Equation.DSMT4">
                   <p:embed/>
                 </p:oleObj>
               </mc:Choice>
@@ -11989,7 +11992,7 @@
           <a:graphicData uri="http://schemas.openxmlformats.org/presentationml/2006/ole">
             <mc:AlternateContent xmlns:mc="http://schemas.openxmlformats.org/markup-compatibility/2006">
               <mc:Choice xmlns:v="urn:schemas-microsoft-com:vml" Requires="v">
-                <p:oleObj spid="_x0000_s114774" name="Equation" r:id="rId6" imgW="939600" imgH="457200" progId="Equation.DSMT4">
+                <p:oleObj spid="_x0000_s114777" name="Equation" r:id="rId6" imgW="939600" imgH="457200" progId="Equation.DSMT4">
                   <p:embed/>
                 </p:oleObj>
               </mc:Choice>
@@ -12278,7 +12281,7 @@
           <a:graphicData uri="http://schemas.openxmlformats.org/presentationml/2006/ole">
             <mc:AlternateContent xmlns:mc="http://schemas.openxmlformats.org/markup-compatibility/2006">
               <mc:Choice xmlns:v="urn:schemas-microsoft-com:vml" Requires="v">
-                <p:oleObj spid="_x0000_s118863" name="Equation" r:id="rId4" imgW="1955520" imgH="457200" progId="Equation.DSMT4">
+                <p:oleObj spid="_x0000_s118866" name="Equation" r:id="rId4" imgW="1955520" imgH="457200" progId="Equation.DSMT4">
                   <p:embed/>
                 </p:oleObj>
               </mc:Choice>
@@ -12373,7 +12376,7 @@
           <a:graphicData uri="http://schemas.openxmlformats.org/presentationml/2006/ole">
             <mc:AlternateContent xmlns:mc="http://schemas.openxmlformats.org/markup-compatibility/2006">
               <mc:Choice xmlns:v="urn:schemas-microsoft-com:vml" Requires="v">
-                <p:oleObj spid="_x0000_s118864" name="Equation" r:id="rId6" imgW="939600" imgH="457200" progId="Equation.DSMT4">
+                <p:oleObj spid="_x0000_s118867" name="Equation" r:id="rId6" imgW="939600" imgH="457200" progId="Equation.DSMT4">
                   <p:embed/>
                 </p:oleObj>
               </mc:Choice>
